--- a/99_Abgabe/Plakat Vorlage Master.pptx
+++ b/99_Abgabe/Plakat Vorlage Master.pptx
@@ -175,7 +175,7 @@
             </a:lvl1pPr>
           </a:lstStyle>
           <a:p>
-            <a:endParaRPr lang="en-US"/>
+            <a:endParaRPr lang="en-US" dirty="0"/>
           </a:p>
         </p:txBody>
       </p:sp>
@@ -208,9 +208,9 @@
           <a:p>
             <a:fld id="{BD0A2682-9BBE-44F1-865A-71E92CD2A545}" type="datetimeFigureOut">
               <a:rPr lang="en-US" smtClean="0"/>
-              <a:t>1/10/2025</a:t>
+              <a:t>1/13/2025</a:t>
             </a:fld>
-            <a:endParaRPr lang="en-US"/>
+            <a:endParaRPr lang="en-US" dirty="0"/>
           </a:p>
         </p:txBody>
       </p:sp>
@@ -243,7 +243,7 @@
           <a:bodyPr vert="horz" lIns="91440" tIns="45720" rIns="91440" bIns="45720" rtlCol="0" anchor="ctr"/>
           <a:lstStyle/>
           <a:p>
-            <a:endParaRPr lang="en-US"/>
+            <a:endParaRPr lang="en-US" dirty="0"/>
           </a:p>
         </p:txBody>
       </p:sp>
@@ -333,7 +333,7 @@
             </a:lvl1pPr>
           </a:lstStyle>
           <a:p>
-            <a:endParaRPr lang="en-US"/>
+            <a:endParaRPr lang="en-US" dirty="0"/>
           </a:p>
         </p:txBody>
       </p:sp>
@@ -368,7 +368,7 @@
               <a:rPr lang="en-US" smtClean="0"/>
               <a:t>‹Nr.›</a:t>
             </a:fld>
-            <a:endParaRPr lang="en-US"/>
+            <a:endParaRPr lang="en-US" dirty="0"/>
           </a:p>
         </p:txBody>
       </p:sp>
@@ -963,7 +963,7 @@
             </a:lvl1pPr>
           </a:lstStyle>
           <a:p>
-            <a:endParaRPr lang="de-DE"/>
+            <a:endParaRPr lang="de-DE" dirty="0"/>
           </a:p>
         </p:txBody>
       </p:sp>
@@ -1006,7 +1006,7 @@
             </a:lvl1pPr>
           </a:lstStyle>
           <a:p>
-            <a:endParaRPr lang="de-DE"/>
+            <a:endParaRPr lang="de-DE" dirty="0"/>
           </a:p>
         </p:txBody>
       </p:sp>
@@ -1049,7 +1049,7 @@
             </a:lvl1pPr>
           </a:lstStyle>
           <a:p>
-            <a:endParaRPr lang="de-DE"/>
+            <a:endParaRPr lang="de-DE" dirty="0"/>
           </a:p>
         </p:txBody>
       </p:sp>
@@ -1092,7 +1092,7 @@
             </a:lvl1pPr>
           </a:lstStyle>
           <a:p>
-            <a:endParaRPr lang="de-DE"/>
+            <a:endParaRPr lang="de-DE" dirty="0"/>
           </a:p>
         </p:txBody>
       </p:sp>
@@ -1135,7 +1135,7 @@
             </a:lvl1pPr>
           </a:lstStyle>
           <a:p>
-            <a:endParaRPr lang="de-DE"/>
+            <a:endParaRPr lang="de-DE" dirty="0"/>
           </a:p>
         </p:txBody>
       </p:sp>
@@ -1178,7 +1178,7 @@
             </a:lvl1pPr>
           </a:lstStyle>
           <a:p>
-            <a:endParaRPr lang="de-DE"/>
+            <a:endParaRPr lang="de-DE" dirty="0"/>
           </a:p>
         </p:txBody>
       </p:sp>
@@ -1221,7 +1221,7 @@
             </a:lvl1pPr>
           </a:lstStyle>
           <a:p>
-            <a:endParaRPr lang="de-DE"/>
+            <a:endParaRPr lang="de-DE" dirty="0"/>
           </a:p>
         </p:txBody>
       </p:sp>
@@ -1264,7 +1264,7 @@
             </a:lvl1pPr>
           </a:lstStyle>
           <a:p>
-            <a:endParaRPr lang="de-DE"/>
+            <a:endParaRPr lang="de-DE" dirty="0"/>
           </a:p>
         </p:txBody>
       </p:sp>
@@ -1307,7 +1307,7 @@
             </a:lvl1pPr>
           </a:lstStyle>
           <a:p>
-            <a:endParaRPr lang="de-DE"/>
+            <a:endParaRPr lang="de-DE" dirty="0"/>
           </a:p>
         </p:txBody>
       </p:sp>
@@ -1350,7 +1350,7 @@
             </a:lvl1pPr>
           </a:lstStyle>
           <a:p>
-            <a:endParaRPr lang="de-DE"/>
+            <a:endParaRPr lang="de-DE" dirty="0"/>
           </a:p>
         </p:txBody>
       </p:sp>
@@ -1393,7 +1393,7 @@
             </a:lvl1pPr>
           </a:lstStyle>
           <a:p>
-            <a:endParaRPr lang="de-DE"/>
+            <a:endParaRPr lang="de-DE" dirty="0"/>
           </a:p>
         </p:txBody>
       </p:sp>
@@ -1479,7 +1479,7 @@
             </a:lvl1pPr>
           </a:lstStyle>
           <a:p>
-            <a:endParaRPr lang="de-DE"/>
+            <a:endParaRPr lang="de-DE" dirty="0"/>
           </a:p>
         </p:txBody>
       </p:sp>
@@ -1522,7 +1522,7 @@
             </a:lvl1pPr>
           </a:lstStyle>
           <a:p>
-            <a:endParaRPr lang="de-DE"/>
+            <a:endParaRPr lang="de-DE" dirty="0"/>
           </a:p>
         </p:txBody>
       </p:sp>
@@ -1565,7 +1565,7 @@
             </a:lvl1pPr>
           </a:lstStyle>
           <a:p>
-            <a:endParaRPr lang="de-DE"/>
+            <a:endParaRPr lang="de-DE" dirty="0"/>
           </a:p>
         </p:txBody>
       </p:sp>
@@ -1608,7 +1608,7 @@
             </a:lvl1pPr>
           </a:lstStyle>
           <a:p>
-            <a:endParaRPr lang="de-DE"/>
+            <a:endParaRPr lang="de-DE" dirty="0"/>
           </a:p>
         </p:txBody>
       </p:sp>
@@ -1651,7 +1651,7 @@
             </a:lvl1pPr>
           </a:lstStyle>
           <a:p>
-            <a:endParaRPr lang="de-DE"/>
+            <a:endParaRPr lang="de-DE" dirty="0"/>
           </a:p>
         </p:txBody>
       </p:sp>
@@ -1694,7 +1694,7 @@
             </a:lvl1pPr>
           </a:lstStyle>
           <a:p>
-            <a:endParaRPr lang="de-DE"/>
+            <a:endParaRPr lang="de-DE" dirty="0"/>
           </a:p>
         </p:txBody>
       </p:sp>
@@ -1737,7 +1737,7 @@
             </a:lvl1pPr>
           </a:lstStyle>
           <a:p>
-            <a:endParaRPr lang="de-DE"/>
+            <a:endParaRPr lang="de-DE" dirty="0"/>
           </a:p>
         </p:txBody>
       </p:sp>
@@ -1780,7 +1780,7 @@
             </a:lvl1pPr>
           </a:lstStyle>
           <a:p>
-            <a:endParaRPr lang="de-DE"/>
+            <a:endParaRPr lang="de-DE" dirty="0"/>
           </a:p>
         </p:txBody>
       </p:sp>
@@ -1823,7 +1823,7 @@
             </a:lvl1pPr>
           </a:lstStyle>
           <a:p>
-            <a:endParaRPr lang="de-DE"/>
+            <a:endParaRPr lang="de-DE" dirty="0"/>
           </a:p>
         </p:txBody>
       </p:sp>
@@ -1909,7 +1909,7 @@
             </a:lvl1pPr>
           </a:lstStyle>
           <a:p>
-            <a:endParaRPr lang="de-DE"/>
+            <a:endParaRPr lang="de-DE" dirty="0"/>
           </a:p>
         </p:txBody>
       </p:sp>
@@ -2450,7 +2450,7 @@
             <a:fld id="{543DD8DA-3DCD-4860-ABC5-7E8832F2F74D}" type="datetime4">
               <a:rPr lang="de-CH" smtClean="0"/>
               <a:pPr/>
-              <a:t>10. Januar 2025</a:t>
+              <a:t>13. Januar 2025</a:t>
             </a:fld>
             <a:endParaRPr lang="en-US" dirty="0"/>
           </a:p>
@@ -2529,7 +2529,7 @@
               <a:pPr/>
               <a:t>‹Nr.›</a:t>
             </a:fld>
-            <a:endParaRPr lang="de-CH"/>
+            <a:endParaRPr lang="de-CH" dirty="0"/>
           </a:p>
         </p:txBody>
       </p:sp>
@@ -3179,7 +3179,7 @@
             <a:fld id="{543DD8DA-3DCD-4860-ABC5-7E8832F2F74D}" type="datetime4">
               <a:rPr lang="de-CH" smtClean="0"/>
               <a:pPr/>
-              <a:t>10. Januar 2025</a:t>
+              <a:t>13. Januar 2025</a:t>
             </a:fld>
             <a:endParaRPr lang="en-US" dirty="0"/>
           </a:p>
@@ -3252,7 +3252,7 @@
               <a:pPr/>
               <a:t>‹Nr.›</a:t>
             </a:fld>
-            <a:endParaRPr lang="de-CH"/>
+            <a:endParaRPr lang="de-CH" dirty="0"/>
           </a:p>
         </p:txBody>
       </p:sp>
@@ -3750,12 +3750,8 @@
           <a:lstStyle/>
           <a:p>
             <a:r>
-              <a:rPr lang="de-DE" dirty="0" err="1"/>
-              <a:t>Civil</a:t>
-            </a:r>
-            <a:r>
-              <a:rPr lang="de-DE" dirty="0"/>
-              <a:t> Engineering</a:t>
+              <a:rPr lang="de-DE" dirty="0"/>
+              <a:t>Civil Engineering</a:t>
             </a:r>
           </a:p>
           <a:p>
@@ -3791,36 +3787,8 @@
           </a:p>
           <a:p>
             <a:r>
-              <a:rPr lang="de-DE" dirty="0" err="1"/>
-              <a:t>biegung</a:t>
-            </a:r>
-            <a:r>
-              <a:rPr lang="de-DE" dirty="0"/>
-              <a:t> von Stahlbetonbauteilen definiert. Seitdem hat sich die Gebrauchstauglich-</a:t>
-            </a:r>
-            <a:r>
-              <a:rPr lang="de-DE" dirty="0" err="1"/>
-              <a:t>keit</a:t>
-            </a:r>
-            <a:r>
-              <a:rPr lang="de-DE" dirty="0"/>
-              <a:t>, insbesondere die Verformung von Tragwerken, zu einer zentralen </a:t>
-            </a:r>
-            <a:r>
-              <a:rPr lang="de-DE" dirty="0" err="1"/>
-              <a:t>Grösse</a:t>
-            </a:r>
-            <a:r>
-              <a:rPr lang="de-DE" dirty="0"/>
-              <a:t> im Bemessungsablauf entwickelt. Trotz dieser essenziellen Rolle werden Verformungen im Stahlbetonbau in der heutigen Bau-praxis jedoch häufig nur durch vereinfach-</a:t>
-            </a:r>
-            <a:r>
-              <a:rPr lang="de-DE" dirty="0" err="1"/>
-              <a:t>te</a:t>
-            </a:r>
-            <a:r>
-              <a:rPr lang="de-DE" dirty="0"/>
-              <a:t> Abschätzungen bewertet. Solche vereinfachten Ansätze bergen erhebliche Nachteile. Sie können dazu führen, dass potenzielle Optimierungen übersehen werden, was sich direkt auf den Material-verbrauch auswirkt. Ein unnötig erhöhter Materialverbrauch beeinflusst nicht nur die Wirtschaftlichkeit des Tragwerks negativ, sondern belastet auch dessen Ökobilanz.</a:t>
+              <a:rPr lang="de-DE" dirty="0"/>
+              <a:t>biegung von Stahlbetonbauteilen definiert. Seitdem hat sich die Gebrauchstauglich-keit, insbesondere die Verformung von Tragwerken, zu einer zentralen Grösse im Bemessungsablauf entwickelt. Trotz dieser essenziellen Rolle werden Verformungen im Stahlbetonbau in der heutigen Bau-praxis jedoch häufig nur durch vereinfach-te Abschätzungen bewertet. Solche vereinfachten Ansätze bergen erhebliche Nachteile. Sie können dazu führen, dass potenzielle Optimierungen übersehen werden, was sich direkt auf den Material-verbrauch auswirkt. Ein unnötig erhöhter Materialverbrauch beeinflusst nicht nur die Wirtschaftlichkeit des Tragwerks negativ, sondern belastet auch dessen Ökobilanz.</a:t>
             </a:r>
           </a:p>
           <a:p>
@@ -3829,15 +3797,7 @@
           <a:p>
             <a:r>
               <a:rPr lang="de-DE" dirty="0"/>
-              <a:t>Im Gegensatz dazu hat sich in der Forsch-</a:t>
-            </a:r>
-            <a:r>
-              <a:rPr lang="de-DE" dirty="0" err="1"/>
-              <a:t>ung</a:t>
-            </a:r>
-            <a:r>
-              <a:rPr lang="de-DE" dirty="0"/>
-              <a:t> die Nutzung nichtlinearer Finite-Elemente-Methoden (NLFEM) als präzises und effektives Werkzeug zur Verformungs-berechnung etabliert.</a:t>
+              <a:t>Im Gegensatz dazu hat sich in der Forsch-ung die Nutzung nichtlinearer Finite-Elemente-Methoden (NLFEM) als präzises und effektives Werkzeug zur Verformungs-berechnung etabliert.</a:t>
             </a:r>
           </a:p>
           <a:p>
@@ -3864,38 +3824,27 @@
             <p:ph type="body" sz="quarter" idx="13"/>
           </p:nvPr>
         </p:nvSpPr>
-        <p:spPr/>
+        <p:spPr>
+          <a:xfrm>
+            <a:off x="10871611" y="25858736"/>
+            <a:ext cx="8525635" cy="5053201"/>
+          </a:xfrm>
+        </p:spPr>
         <p:txBody>
           <a:bodyPr/>
           <a:lstStyle/>
           <a:p>
             <a:r>
               <a:rPr lang="de-DE" dirty="0"/>
-              <a:t>Die vorliegende Arbeit hat das Ziel, eine praxisorientierte Methode zur präzisen Berechnung von Verformungen in Stahlbetontragwerken zu entwickeln. Dazu soll eine Modellbildung erarbeitet werden, welche es ermöglicht, das nichtlineare Tragverhalten mit der </a:t>
-            </a:r>
-            <a:r>
-              <a:rPr lang="de-DE" dirty="0" err="1"/>
-              <a:t>Statiksoftware</a:t>
-            </a:r>
-            <a:r>
-              <a:rPr lang="de-DE" dirty="0"/>
-              <a:t> </a:t>
-            </a:r>
-            <a:r>
-              <a:rPr lang="de-DE" dirty="0" err="1"/>
-              <a:t>AxisVM</a:t>
-            </a:r>
-            <a:r>
-              <a:rPr lang="de-DE" dirty="0"/>
-              <a:t> zu bestimmen. </a:t>
-            </a:r>
-            <a:r>
-              <a:rPr lang="de-DE"/>
-              <a:t>Die Grundüber-legung </a:t>
-            </a:r>
-            <a:r>
-              <a:rPr lang="de-DE" dirty="0"/>
-              <a:t>der Modellbildung zeigen die Abb. 1 bis Abb. 4.</a:t>
+              <a:t>Ziel dieser Arbeit ist die Entwicklung einer praxisorientierten Methode zur präzisen Berechnung von Verformungen in </a:t>
+            </a:r>
+            <a:r>
+              <a:rPr lang="de-CH" dirty="0"/>
+              <a:t>Stahl-betontragwerken</a:t>
+            </a:r>
+            <a:r>
+              <a:rPr lang="de-DE" dirty="0"/>
+              <a:t>. Hierzu wird eine Modell-bildung erarbeitet, die das nichtlineare Tragverhalten mithilfe der Statiksoftware AxisVM beschreibt. Die Grundüberlegungen der Modellbildung sind in den Abbildungen 1 bis 4 dargestellt.</a:t>
             </a:r>
           </a:p>
           <a:p>
@@ -3926,15 +3875,7 @@
           <a:p>
             <a:r>
               <a:rPr lang="de-DE" dirty="0"/>
-              <a:t>identische Berechnungsresultate wie das Trägerrostmodell. Das Modell ermöglicht es, das nichtlineare Tragverhalten in </a:t>
-            </a:r>
-            <a:r>
-              <a:rPr lang="de-DE" dirty="0" err="1"/>
-              <a:t>AxisVM</a:t>
-            </a:r>
-            <a:r>
-              <a:rPr lang="de-DE" dirty="0"/>
-              <a:t> präzise und zuverlässig zu bestimmen.</a:t>
+              <a:t>nahezu identische Berechnungsresultate wie das Trägerrostmodell. Das Modell ermöglicht es, das nichtlineare Tragverhalten in AxisVM präzise und zuverlässig zu bestimmen.</a:t>
             </a:r>
           </a:p>
           <a:p>
@@ -3995,12 +3936,8 @@
           <a:lstStyle/>
           <a:p>
             <a:r>
-              <a:rPr lang="de-DE" dirty="0" err="1"/>
-              <a:t>Advisor</a:t>
-            </a:r>
-            <a:r>
-              <a:rPr lang="de-DE" dirty="0"/>
-              <a:t>:</a:t>
+              <a:rPr lang="de-DE" dirty="0"/>
+              <a:t>Advisor:</a:t>
             </a:r>
           </a:p>
           <a:p>
@@ -4053,7 +3990,7 @@
             <a:fld id="{543DD8DA-3DCD-4860-ABC5-7E8832F2F74D}" type="datetime4">
               <a:rPr lang="de-CH" smtClean="0"/>
               <a:pPr/>
-              <a:t>10. Januar 2025</a:t>
+              <a:t>13. Januar 2025</a:t>
             </a:fld>
             <a:endParaRPr lang="en-US" dirty="0"/>
           </a:p>
@@ -4081,10 +4018,9 @@
           <a:lstStyle/>
           <a:p>
             <a:r>
-              <a:rPr lang="en-GB" dirty="0" err="1"/>
+              <a:rPr lang="en-GB" dirty="0"/>
               <a:t>Problemstellung</a:t>
             </a:r>
-            <a:endParaRPr lang="en-GB" dirty="0"/>
           </a:p>
         </p:txBody>
       </p:sp>
@@ -4110,10 +4046,9 @@
           <a:lstStyle/>
           <a:p>
             <a:r>
-              <a:rPr lang="en-GB" dirty="0" err="1"/>
+              <a:rPr lang="en-GB" dirty="0"/>
               <a:t>Lösungskonzept</a:t>
             </a:r>
-            <a:endParaRPr lang="en-GB" dirty="0"/>
           </a:p>
         </p:txBody>
       </p:sp>
@@ -4140,31 +4075,7 @@
           <a:p>
             <a:r>
               <a:rPr lang="de-DE" dirty="0"/>
-              <a:t>Die entwickelte Modellbildung beschreibt das nichtlineare Biegetragverhalten von Platten- und Balkentragwerken präzise. Die Anwendungsbeispiele des Zweifeldträgers, des torsionsweichen Trägerrosts und der Quadratplatte zeigen eine exakte Über-einstimmung der numerischen Modell-resultate mit analytischen Lösungen. Die Versuchsnachrechnung der Zweifeldplatte, gezeigt in der Abb. 5. und </a:t>
-            </a:r>
-            <a:r>
-              <a:rPr lang="de-DE" dirty="0" err="1"/>
-              <a:t>Abb</a:t>
-            </a:r>
-            <a:r>
-              <a:rPr lang="de-DE" dirty="0"/>
-              <a:t> 6., weist im Vergleich zu den </a:t>
-            </a:r>
-            <a:r>
-              <a:rPr lang="de-DE" dirty="0" err="1"/>
-              <a:t>Messgrössen</a:t>
-            </a:r>
-            <a:r>
-              <a:rPr lang="de-DE" dirty="0"/>
-              <a:t> ebenfalls eine gute Übereinstimmung auf. Zudem liefert ein Vergleich mit dem </a:t>
-            </a:r>
-            <a:r>
-              <a:rPr lang="de-DE" dirty="0" err="1"/>
-              <a:t>Cracked</a:t>
-            </a:r>
-            <a:r>
-              <a:rPr lang="de-DE" dirty="0"/>
-              <a:t>-Membrane-Model</a:t>
+              <a:t>Die entwickelte Modellbildung beschreibt das nichtlineare Biegetragverhalten von Platten- und Balkentragwerken präzise. Die Anwendungsbeispiele des Zweifeldträgers, des torsionsweichen Trägerrosts und der Quadratplatte zeigen eine exakte Über-einstimmung der numerischen Modell-resultate mit analytischen Lösungen. Die Versuchsnachrechnung der Zweifeldplatte, gezeigt in der Abbildung 5 und Abbildung 6, weist im Vergleich zu den Messgrössen ebenfalls eine gute Übereinstimmung auf. Zudem liefert ein Vergleich mit dem Cracked-Membrane-Model</a:t>
             </a:r>
             <a:endParaRPr lang="en-GB" dirty="0"/>
           </a:p>
@@ -4192,10 +4103,9 @@
           <a:lstStyle/>
           <a:p>
             <a:r>
-              <a:rPr lang="en-GB" dirty="0" err="1"/>
+              <a:rPr lang="de-CH" dirty="0"/>
               <a:t>Ergebnisse</a:t>
             </a:r>
-            <a:endParaRPr lang="en-GB" dirty="0"/>
           </a:p>
         </p:txBody>
       </p:sp>
@@ -4221,34 +4131,13 @@
           <a:lstStyle/>
           <a:p>
             <a:r>
-              <a:rPr lang="en-GB" dirty="0" err="1"/>
+              <a:rPr lang="de-CH" dirty="0"/>
               <a:t>Modellvorstellungen</a:t>
             </a:r>
             <a:r>
               <a:rPr lang="en-GB" dirty="0"/>
-              <a:t> </a:t>
-            </a:r>
-            <a:r>
-              <a:rPr lang="en-GB" dirty="0" err="1"/>
-              <a:t>zur</a:t>
-            </a:r>
-            <a:r>
-              <a:rPr lang="en-GB" dirty="0"/>
-              <a:t> </a:t>
-            </a:r>
-            <a:r>
-              <a:rPr lang="en-GB" dirty="0" err="1"/>
-              <a:t>nichtlinearen</a:t>
-            </a:r>
-            <a:r>
-              <a:rPr lang="en-GB" dirty="0"/>
-              <a:t> </a:t>
-            </a:r>
-            <a:r>
-              <a:rPr lang="en-GB" dirty="0" err="1"/>
-              <a:t>Verformungsberechnung</a:t>
-            </a:r>
-            <a:endParaRPr lang="en-GB" dirty="0"/>
+              <a:t> zur nichtlinearen Verformungsberechnung</a:t>
+            </a:r>
           </a:p>
         </p:txBody>
       </p:sp>
@@ -4680,10 +4569,9 @@
           </a:lstStyle>
           <a:p>
             <a:r>
-              <a:rPr lang="de-CH"/>
+              <a:rPr lang="de-CH" dirty="0"/>
               <a:t>Abb. 1: Einfacher Balken mit elastischer Biegelinie</a:t>
             </a:r>
-            <a:endParaRPr lang="de-CH" dirty="0"/>
           </a:p>
         </p:txBody>
       </p:sp>
@@ -6278,6 +6166,12 @@
 </file>
 
 <file path=customXml/item1.xml><?xml version="1.0" encoding="utf-8"?>
+<p:properties xmlns:p="http://schemas.microsoft.com/office/2006/metadata/properties" xmlns:xsi="http://www.w3.org/2001/XMLSchema-instance" xmlns:pc="http://schemas.microsoft.com/office/infopath/2007/PartnerControls">
+  <documentManagement/>
+</p:properties>
+</file>
+
+<file path=customXml/item2.xml><?xml version="1.0" encoding="utf-8"?>
 <ct:contentTypeSchema xmlns:ct="http://schemas.microsoft.com/office/2006/metadata/contentType" xmlns:ma="http://schemas.microsoft.com/office/2006/metadata/properties/metaAttributes" ct:_="" ma:_="" ma:contentTypeName="Dokument" ma:contentTypeID="0x010100E756FDFCB57D0948B915F9BF5E819397" ma:contentTypeVersion="13" ma:contentTypeDescription="Ein neues Dokument erstellen." ma:contentTypeScope="" ma:versionID="7d9c0cc1dbb0c643df8b274555674628">
   <xsd:schema xmlns:xsd="http://www.w3.org/2001/XMLSchema" xmlns:xs="http://www.w3.org/2001/XMLSchema" xmlns:p="http://schemas.microsoft.com/office/2006/metadata/properties" xmlns:ns2="bd5c1ef4-a5a8-4f60-b734-518beb01c7b7" xmlns:ns3="9a7d57e2-a6f6-4353-bdc3-995d0b2e54a4" targetNamespace="http://schemas.microsoft.com/office/2006/metadata/properties" ma:root="true" ma:fieldsID="e815778459cc07df9524752950c0824a" ns2:_="" ns3:_="">
     <xsd:import namespace="bd5c1ef4-a5a8-4f60-b734-518beb01c7b7"/>
@@ -6500,12 +6394,6 @@
 </ct:contentTypeSchema>
 </file>
 
-<file path=customXml/item2.xml><?xml version="1.0" encoding="utf-8"?>
-<p:properties xmlns:p="http://schemas.microsoft.com/office/2006/metadata/properties" xmlns:xsi="http://www.w3.org/2001/XMLSchema-instance" xmlns:pc="http://schemas.microsoft.com/office/infopath/2007/PartnerControls">
-  <documentManagement/>
-</p:properties>
-</file>
-
 <file path=customXml/item3.xml><?xml version="1.0" encoding="utf-8"?>
 <?mso-contentType ?>
 <FormTemplates xmlns="http://schemas.microsoft.com/sharepoint/v3/contenttype/forms">
@@ -6516,6 +6404,23 @@
 </file>
 
 <file path=customXml/itemProps1.xml><?xml version="1.0" encoding="utf-8"?>
+<ds:datastoreItem xmlns:ds="http://schemas.openxmlformats.org/officeDocument/2006/customXml" ds:itemID="{532ADD14-27E2-4CBB-84C3-E07DFBE08BF2}">
+  <ds:schemaRefs>
+    <ds:schemaRef ds:uri="http://purl.org/dc/dcmitype/"/>
+    <ds:schemaRef ds:uri="http://purl.org/dc/terms/"/>
+    <ds:schemaRef ds:uri="http://schemas.microsoft.com/office/2006/documentManagement/types"/>
+    <ds:schemaRef ds:uri="http://schemas.microsoft.com/office/2006/metadata/properties"/>
+    <ds:schemaRef ds:uri="http://purl.org/dc/elements/1.1/"/>
+    <ds:schemaRef ds:uri="http://www.w3.org/XML/1998/namespace"/>
+    <ds:schemaRef ds:uri="bd5c1ef4-a5a8-4f60-b734-518beb01c7b7"/>
+    <ds:schemaRef ds:uri="http://schemas.microsoft.com/office/infopath/2007/PartnerControls"/>
+    <ds:schemaRef ds:uri="http://schemas.openxmlformats.org/package/2006/metadata/core-properties"/>
+    <ds:schemaRef ds:uri="9a7d57e2-a6f6-4353-bdc3-995d0b2e54a4"/>
+  </ds:schemaRefs>
+</ds:datastoreItem>
+</file>
+
+<file path=customXml/itemProps2.xml><?xml version="1.0" encoding="utf-8"?>
 <ds:datastoreItem xmlns:ds="http://schemas.openxmlformats.org/officeDocument/2006/customXml" ds:itemID="{4A348821-2DE9-48C1-97F6-4DC5729F19B6}">
   <ds:schemaRefs>
     <ds:schemaRef ds:uri="9a7d57e2-a6f6-4353-bdc3-995d0b2e54a4"/>
@@ -6534,23 +6439,6 @@
 </ds:datastoreItem>
 </file>
 
-<file path=customXml/itemProps2.xml><?xml version="1.0" encoding="utf-8"?>
-<ds:datastoreItem xmlns:ds="http://schemas.openxmlformats.org/officeDocument/2006/customXml" ds:itemID="{532ADD14-27E2-4CBB-84C3-E07DFBE08BF2}">
-  <ds:schemaRefs>
-    <ds:schemaRef ds:uri="http://purl.org/dc/dcmitype/"/>
-    <ds:schemaRef ds:uri="http://purl.org/dc/terms/"/>
-    <ds:schemaRef ds:uri="http://schemas.microsoft.com/office/2006/documentManagement/types"/>
-    <ds:schemaRef ds:uri="http://schemas.microsoft.com/office/2006/metadata/properties"/>
-    <ds:schemaRef ds:uri="http://purl.org/dc/elements/1.1/"/>
-    <ds:schemaRef ds:uri="http://www.w3.org/XML/1998/namespace"/>
-    <ds:schemaRef ds:uri="bd5c1ef4-a5a8-4f60-b734-518beb01c7b7"/>
-    <ds:schemaRef ds:uri="http://schemas.microsoft.com/office/infopath/2007/PartnerControls"/>
-    <ds:schemaRef ds:uri="http://schemas.openxmlformats.org/package/2006/metadata/core-properties"/>
-    <ds:schemaRef ds:uri="9a7d57e2-a6f6-4353-bdc3-995d0b2e54a4"/>
-  </ds:schemaRefs>
-</ds:datastoreItem>
-</file>
-
 <file path=customXml/itemProps3.xml><?xml version="1.0" encoding="utf-8"?>
 <ds:datastoreItem xmlns:ds="http://schemas.openxmlformats.org/officeDocument/2006/customXml" ds:itemID="{B1B22379-68EE-4294-A662-CCA510E47448}">
   <ds:schemaRefs>

--- a/99_Abgabe/Plakat Vorlage Master.pptx
+++ b/99_Abgabe/Plakat Vorlage Master.pptx
@@ -208,7 +208,7 @@
           <a:p>
             <a:fld id="{BD0A2682-9BBE-44F1-865A-71E92CD2A545}" type="datetimeFigureOut">
               <a:rPr lang="en-US" smtClean="0"/>
-              <a:t>1/13/2025</a:t>
+              <a:t>1/15/2025</a:t>
             </a:fld>
             <a:endParaRPr lang="en-US" dirty="0"/>
           </a:p>
@@ -2450,7 +2450,7 @@
             <a:fld id="{543DD8DA-3DCD-4860-ABC5-7E8832F2F74D}" type="datetime4">
               <a:rPr lang="de-CH" smtClean="0"/>
               <a:pPr/>
-              <a:t>13. Januar 2025</a:t>
+              <a:t>15. Januar 2025</a:t>
             </a:fld>
             <a:endParaRPr lang="en-US" dirty="0"/>
           </a:p>
@@ -3179,7 +3179,7 @@
             <a:fld id="{543DD8DA-3DCD-4860-ABC5-7E8832F2F74D}" type="datetime4">
               <a:rPr lang="de-CH" smtClean="0"/>
               <a:pPr/>
-              <a:t>13. Januar 2025</a:t>
+              <a:t>15. Januar 2025</a:t>
             </a:fld>
             <a:endParaRPr lang="en-US" dirty="0"/>
           </a:p>
@@ -3990,7 +3990,7 @@
             <a:fld id="{543DD8DA-3DCD-4860-ABC5-7E8832F2F74D}" type="datetime4">
               <a:rPr lang="de-CH" smtClean="0"/>
               <a:pPr/>
-              <a:t>13. Januar 2025</a:t>
+              <a:t>15. Januar 2025</a:t>
             </a:fld>
             <a:endParaRPr lang="en-US" dirty="0"/>
           </a:p>
@@ -4362,7 +4362,7 @@
               </a:ext>
             </a:extLst>
           </a:blip>
-          <a:srcRect l="-156" t="-816" r="156" b="-9390"/>
+          <a:srcRect t="-5103" b="-5103"/>
           <a:stretch/>
         </p:blipFill>
         <p:spPr>
@@ -4661,7 +4661,7 @@
           </p:cNvPicPr>
           <p:nvPr/>
         </p:nvPicPr>
-        <p:blipFill>
+        <p:blipFill rotWithShape="1">
           <a:blip r:embed="rId8">
             <a:extLst>
               <a:ext uri="{96DAC541-7B7A-43D3-8B79-37D633B846F1}">
@@ -4669,7 +4669,7 @@
               </a:ext>
             </a:extLst>
           </a:blip>
-          <a:srcRect l="2227" r="2227"/>
+          <a:srcRect t="-2330" b="-2330"/>
           <a:stretch/>
         </p:blipFill>
         <p:spPr>
@@ -5318,7 +5318,15 @@
           <a:p>
             <a:r>
               <a:rPr lang="de-CH" dirty="0"/>
-              <a:t>Abb. 6: Last-Verformungsdiagramm in der Feldmitte</a:t>
+              <a:t>Abb. 6</a:t>
+            </a:r>
+            <a:r>
+              <a:rPr lang="de-CH"/>
+              <a:t>: Last-Verformungs-Diagramm </a:t>
+            </a:r>
+            <a:r>
+              <a:rPr lang="de-CH" dirty="0"/>
+              <a:t>in der Feldmitte</a:t>
             </a:r>
           </a:p>
         </p:txBody>
